--- a/presentationITA.pptx
+++ b/presentationITA.pptx
@@ -497,7 +497,7 @@
     </p:spTree>
     <p:extLst>
       <p:ext uri="{BB962C8B-B14F-4D97-AF65-F5344CB8AC3E}">
-        <p14:creationId xmlns:p14="http://schemas.microsoft.com/office/powerpoint/2010/main" val="2109069611"/>
+        <p14:creationId xmlns:p14="http://schemas.microsoft.com/office/powerpoint/2010/main" val="3874152968"/>
       </p:ext>
     </p:extLst>
   </p:cSld>
@@ -833,7 +833,7 @@
     </p:spTree>
     <p:extLst>
       <p:ext uri="{BB962C8B-B14F-4D97-AF65-F5344CB8AC3E}">
-        <p14:creationId xmlns:p14="http://schemas.microsoft.com/office/powerpoint/2010/main" val="3296553860"/>
+        <p14:creationId xmlns:p14="http://schemas.microsoft.com/office/powerpoint/2010/main" val="297079122"/>
       </p:ext>
     </p:extLst>
   </p:cSld>
@@ -942,7 +942,7 @@
     </p:spTree>
     <p:extLst>
       <p:ext uri="{BB962C8B-B14F-4D97-AF65-F5344CB8AC3E}">
-        <p14:creationId xmlns:p14="http://schemas.microsoft.com/office/powerpoint/2010/main" val="106344287"/>
+        <p14:creationId xmlns:p14="http://schemas.microsoft.com/office/powerpoint/2010/main" val="1467377462"/>
       </p:ext>
     </p:extLst>
   </p:cSld>
@@ -1051,7 +1051,7 @@
     </p:spTree>
     <p:extLst>
       <p:ext uri="{BB962C8B-B14F-4D97-AF65-F5344CB8AC3E}">
-        <p14:creationId xmlns:p14="http://schemas.microsoft.com/office/powerpoint/2010/main" val="847849712"/>
+        <p14:creationId xmlns:p14="http://schemas.microsoft.com/office/powerpoint/2010/main" val="2662178813"/>
       </p:ext>
     </p:extLst>
   </p:cSld>
@@ -1160,7 +1160,7 @@
     </p:spTree>
     <p:extLst>
       <p:ext uri="{BB962C8B-B14F-4D97-AF65-F5344CB8AC3E}">
-        <p14:creationId xmlns:p14="http://schemas.microsoft.com/office/powerpoint/2010/main" val="3451754081"/>
+        <p14:creationId xmlns:p14="http://schemas.microsoft.com/office/powerpoint/2010/main" val="2332369308"/>
       </p:ext>
     </p:extLst>
   </p:cSld>
@@ -1269,7 +1269,7 @@
     </p:spTree>
     <p:extLst>
       <p:ext uri="{BB962C8B-B14F-4D97-AF65-F5344CB8AC3E}">
-        <p14:creationId xmlns:p14="http://schemas.microsoft.com/office/powerpoint/2010/main" val="2909585236"/>
+        <p14:creationId xmlns:p14="http://schemas.microsoft.com/office/powerpoint/2010/main" val="2868113369"/>
       </p:ext>
     </p:extLst>
   </p:cSld>
@@ -1378,7 +1378,7 @@
     </p:spTree>
     <p:extLst>
       <p:ext uri="{BB962C8B-B14F-4D97-AF65-F5344CB8AC3E}">
-        <p14:creationId xmlns:p14="http://schemas.microsoft.com/office/powerpoint/2010/main" val="2568170109"/>
+        <p14:creationId xmlns:p14="http://schemas.microsoft.com/office/powerpoint/2010/main" val="2735080204"/>
       </p:ext>
     </p:extLst>
   </p:cSld>
@@ -1487,7 +1487,7 @@
     </p:spTree>
     <p:extLst>
       <p:ext uri="{BB962C8B-B14F-4D97-AF65-F5344CB8AC3E}">
-        <p14:creationId xmlns:p14="http://schemas.microsoft.com/office/powerpoint/2010/main" val="2173613323"/>
+        <p14:creationId xmlns:p14="http://schemas.microsoft.com/office/powerpoint/2010/main" val="969667708"/>
       </p:ext>
     </p:extLst>
   </p:cSld>
@@ -1596,7 +1596,7 @@
     </p:spTree>
     <p:extLst>
       <p:ext uri="{BB962C8B-B14F-4D97-AF65-F5344CB8AC3E}">
-        <p14:creationId xmlns:p14="http://schemas.microsoft.com/office/powerpoint/2010/main" val="565002182"/>
+        <p14:creationId xmlns:p14="http://schemas.microsoft.com/office/powerpoint/2010/main" val="1234886847"/>
       </p:ext>
     </p:extLst>
   </p:cSld>
@@ -1705,7 +1705,7 @@
     </p:spTree>
     <p:extLst>
       <p:ext uri="{BB962C8B-B14F-4D97-AF65-F5344CB8AC3E}">
-        <p14:creationId xmlns:p14="http://schemas.microsoft.com/office/powerpoint/2010/main" val="800249323"/>
+        <p14:creationId xmlns:p14="http://schemas.microsoft.com/office/powerpoint/2010/main" val="3922847567"/>
       </p:ext>
     </p:extLst>
   </p:cSld>
@@ -1814,7 +1814,7 @@
     </p:spTree>
     <p:extLst>
       <p:ext uri="{BB962C8B-B14F-4D97-AF65-F5344CB8AC3E}">
-        <p14:creationId xmlns:p14="http://schemas.microsoft.com/office/powerpoint/2010/main" val="237876887"/>
+        <p14:creationId xmlns:p14="http://schemas.microsoft.com/office/powerpoint/2010/main" val="3660938122"/>
       </p:ext>
     </p:extLst>
   </p:cSld>
@@ -1923,7 +1923,7 @@
     </p:spTree>
     <p:extLst>
       <p:ext uri="{BB962C8B-B14F-4D97-AF65-F5344CB8AC3E}">
-        <p14:creationId xmlns:p14="http://schemas.microsoft.com/office/powerpoint/2010/main" val="1820918374"/>
+        <p14:creationId xmlns:p14="http://schemas.microsoft.com/office/powerpoint/2010/main" val="4166765662"/>
       </p:ext>
     </p:extLst>
   </p:cSld>
@@ -2032,7 +2032,7 @@
     </p:spTree>
     <p:extLst>
       <p:ext uri="{BB962C8B-B14F-4D97-AF65-F5344CB8AC3E}">
-        <p14:creationId xmlns:p14="http://schemas.microsoft.com/office/powerpoint/2010/main" val="1206359814"/>
+        <p14:creationId xmlns:p14="http://schemas.microsoft.com/office/powerpoint/2010/main" val="3075695548"/>
       </p:ext>
     </p:extLst>
   </p:cSld>
@@ -2141,7 +2141,7 @@
     </p:spTree>
     <p:extLst>
       <p:ext uri="{BB962C8B-B14F-4D97-AF65-F5344CB8AC3E}">
-        <p14:creationId xmlns:p14="http://schemas.microsoft.com/office/powerpoint/2010/main" val="744095976"/>
+        <p14:creationId xmlns:p14="http://schemas.microsoft.com/office/powerpoint/2010/main" val="3955126024"/>
       </p:ext>
     </p:extLst>
   </p:cSld>
@@ -2250,7 +2250,7 @@
     </p:spTree>
     <p:extLst>
       <p:ext uri="{BB962C8B-B14F-4D97-AF65-F5344CB8AC3E}">
-        <p14:creationId xmlns:p14="http://schemas.microsoft.com/office/powerpoint/2010/main" val="1411377028"/>
+        <p14:creationId xmlns:p14="http://schemas.microsoft.com/office/powerpoint/2010/main" val="1311477605"/>
       </p:ext>
     </p:extLst>
   </p:cSld>
@@ -2359,7 +2359,7 @@
     </p:spTree>
     <p:extLst>
       <p:ext uri="{BB962C8B-B14F-4D97-AF65-F5344CB8AC3E}">
-        <p14:creationId xmlns:p14="http://schemas.microsoft.com/office/powerpoint/2010/main" val="4135537425"/>
+        <p14:creationId xmlns:p14="http://schemas.microsoft.com/office/powerpoint/2010/main" val="323341066"/>
       </p:ext>
     </p:extLst>
   </p:cSld>
@@ -2468,7 +2468,7 @@
     </p:spTree>
     <p:extLst>
       <p:ext uri="{BB962C8B-B14F-4D97-AF65-F5344CB8AC3E}">
-        <p14:creationId xmlns:p14="http://schemas.microsoft.com/office/powerpoint/2010/main" val="376177823"/>
+        <p14:creationId xmlns:p14="http://schemas.microsoft.com/office/powerpoint/2010/main" val="3678594666"/>
       </p:ext>
     </p:extLst>
   </p:cSld>
@@ -2577,7 +2577,7 @@
     </p:spTree>
     <p:extLst>
       <p:ext uri="{BB962C8B-B14F-4D97-AF65-F5344CB8AC3E}">
-        <p14:creationId xmlns:p14="http://schemas.microsoft.com/office/powerpoint/2010/main" val="4250800141"/>
+        <p14:creationId xmlns:p14="http://schemas.microsoft.com/office/powerpoint/2010/main" val="2755301152"/>
       </p:ext>
     </p:extLst>
   </p:cSld>
@@ -2686,7 +2686,7 @@
     </p:spTree>
     <p:extLst>
       <p:ext uri="{BB962C8B-B14F-4D97-AF65-F5344CB8AC3E}">
-        <p14:creationId xmlns:p14="http://schemas.microsoft.com/office/powerpoint/2010/main" val="2938878482"/>
+        <p14:creationId xmlns:p14="http://schemas.microsoft.com/office/powerpoint/2010/main" val="1886158890"/>
       </p:ext>
     </p:extLst>
   </p:cSld>
@@ -2795,7 +2795,7 @@
     </p:spTree>
     <p:extLst>
       <p:ext uri="{BB962C8B-B14F-4D97-AF65-F5344CB8AC3E}">
-        <p14:creationId xmlns:p14="http://schemas.microsoft.com/office/powerpoint/2010/main" val="1404519330"/>
+        <p14:creationId xmlns:p14="http://schemas.microsoft.com/office/powerpoint/2010/main" val="1819121249"/>
       </p:ext>
     </p:extLst>
   </p:cSld>
@@ -2904,7 +2904,7 @@
     </p:spTree>
     <p:extLst>
       <p:ext uri="{BB962C8B-B14F-4D97-AF65-F5344CB8AC3E}">
-        <p14:creationId xmlns:p14="http://schemas.microsoft.com/office/powerpoint/2010/main" val="2795293697"/>
+        <p14:creationId xmlns:p14="http://schemas.microsoft.com/office/powerpoint/2010/main" val="614692055"/>
       </p:ext>
     </p:extLst>
   </p:cSld>
@@ -3013,7 +3013,7 @@
     </p:spTree>
     <p:extLst>
       <p:ext uri="{BB962C8B-B14F-4D97-AF65-F5344CB8AC3E}">
-        <p14:creationId xmlns:p14="http://schemas.microsoft.com/office/powerpoint/2010/main" val="1220739394"/>
+        <p14:creationId xmlns:p14="http://schemas.microsoft.com/office/powerpoint/2010/main" val="4104073507"/>
       </p:ext>
     </p:extLst>
   </p:cSld>
@@ -3122,7 +3122,7 @@
     </p:spTree>
     <p:extLst>
       <p:ext uri="{BB962C8B-B14F-4D97-AF65-F5344CB8AC3E}">
-        <p14:creationId xmlns:p14="http://schemas.microsoft.com/office/powerpoint/2010/main" val="2569895416"/>
+        <p14:creationId xmlns:p14="http://schemas.microsoft.com/office/powerpoint/2010/main" val="439637926"/>
       </p:ext>
     </p:extLst>
   </p:cSld>
@@ -3231,7 +3231,7 @@
     </p:spTree>
     <p:extLst>
       <p:ext uri="{BB962C8B-B14F-4D97-AF65-F5344CB8AC3E}">
-        <p14:creationId xmlns:p14="http://schemas.microsoft.com/office/powerpoint/2010/main" val="3353070981"/>
+        <p14:creationId xmlns:p14="http://schemas.microsoft.com/office/powerpoint/2010/main" val="2743993147"/>
       </p:ext>
     </p:extLst>
   </p:cSld>
@@ -3340,7 +3340,7 @@
     </p:spTree>
     <p:extLst>
       <p:ext uri="{BB962C8B-B14F-4D97-AF65-F5344CB8AC3E}">
-        <p14:creationId xmlns:p14="http://schemas.microsoft.com/office/powerpoint/2010/main" val="930243999"/>
+        <p14:creationId xmlns:p14="http://schemas.microsoft.com/office/powerpoint/2010/main" val="2753606960"/>
       </p:ext>
     </p:extLst>
   </p:cSld>
@@ -3449,7 +3449,7 @@
     </p:spTree>
     <p:extLst>
       <p:ext uri="{BB962C8B-B14F-4D97-AF65-F5344CB8AC3E}">
-        <p14:creationId xmlns:p14="http://schemas.microsoft.com/office/powerpoint/2010/main" val="208603948"/>
+        <p14:creationId xmlns:p14="http://schemas.microsoft.com/office/powerpoint/2010/main" val="1191019771"/>
       </p:ext>
     </p:extLst>
   </p:cSld>
@@ -3558,7 +3558,7 @@
     </p:spTree>
     <p:extLst>
       <p:ext uri="{BB962C8B-B14F-4D97-AF65-F5344CB8AC3E}">
-        <p14:creationId xmlns:p14="http://schemas.microsoft.com/office/powerpoint/2010/main" val="687734874"/>
+        <p14:creationId xmlns:p14="http://schemas.microsoft.com/office/powerpoint/2010/main" val="2211837705"/>
       </p:ext>
     </p:extLst>
   </p:cSld>
@@ -3667,7 +3667,7 @@
     </p:spTree>
     <p:extLst>
       <p:ext uri="{BB962C8B-B14F-4D97-AF65-F5344CB8AC3E}">
-        <p14:creationId xmlns:p14="http://schemas.microsoft.com/office/powerpoint/2010/main" val="1444194804"/>
+        <p14:creationId xmlns:p14="http://schemas.microsoft.com/office/powerpoint/2010/main" val="716513059"/>
       </p:ext>
     </p:extLst>
   </p:cSld>
@@ -3776,7 +3776,7 @@
     </p:spTree>
     <p:extLst>
       <p:ext uri="{BB962C8B-B14F-4D97-AF65-F5344CB8AC3E}">
-        <p14:creationId xmlns:p14="http://schemas.microsoft.com/office/powerpoint/2010/main" val="1337519099"/>
+        <p14:creationId xmlns:p14="http://schemas.microsoft.com/office/powerpoint/2010/main" val="2554217584"/>
       </p:ext>
     </p:extLst>
   </p:cSld>
@@ -16325,6 +16325,9 @@
     <p:sldLayoutId id="2147483657" r:id="rId10"/>
     <p:sldLayoutId id="2147483658" r:id="rId11"/>
   </p:sldLayoutIdLst>
+  <p:transition spd="med">
+    <p:push/>
+  </p:transition>
   <p:hf sldNum="0" hdr="0" ftr="0" dt="0"/>
   <p:txStyles>
     <p:titleStyle>
@@ -18072,6 +18075,9 @@
     <p:sldLayoutId id="2147483668" r:id="rId10"/>
     <p:sldLayoutId id="2147483669" r:id="rId11"/>
   </p:sldLayoutIdLst>
+  <p:transition spd="med">
+    <p:push/>
+  </p:transition>
   <p:hf sldNum="0" hdr="0" ftr="0" dt="0"/>
   <p:txStyles>
     <p:titleStyle>
@@ -18869,6 +18875,13 @@
   <p:clrMapOvr>
     <a:masterClrMapping/>
   </p:clrMapOvr>
+  <p:timing>
+    <p:tnLst>
+      <p:par>
+        <p:cTn id="1" dur="indefinite" restart="never" nodeType="tmRoot"/>
+      </p:par>
+    </p:tnLst>
+  </p:timing>
 </p:sld>
 </file>
 
@@ -19745,7 +19758,7 @@
                             </p:stCondLst>
                             <p:childTnLst>
                               <p:par>
-                                <p:cTn id="5" presetID="1" presetClass="entr" presetSubtype="0" fill="hold" nodeType="clickEffect">
+                                <p:cTn id="5" presetID="23" presetClass="entr" presetSubtype="16" fill="hold" nodeType="clickEffect">
                                   <p:stCondLst>
                                     <p:cond delay="0"/>
                                   </p:stCondLst>
@@ -19768,6 +19781,52 @@
                                         <p:strVal val="visible"/>
                                       </p:to>
                                     </p:set>
+                                    <p:anim calcmode="lin" valueType="num">
+                                      <p:cBhvr additive="base">
+                                        <p:cTn id="7" dur="500"/>
+                                        <p:tgtEl>
+                                          <p:spTgt spid="196"/>
+                                        </p:tgtEl>
+                                        <p:attrNameLst>
+                                          <p:attrName>ppt_w</p:attrName>
+                                        </p:attrNameLst>
+                                      </p:cBhvr>
+                                      <p:tavLst>
+                                        <p:tav tm="0">
+                                          <p:val>
+                                            <p:strVal val="0"/>
+                                          </p:val>
+                                        </p:tav>
+                                        <p:tav tm="100000">
+                                          <p:val>
+                                            <p:strVal val="#ppt_w"/>
+                                          </p:val>
+                                        </p:tav>
+                                      </p:tavLst>
+                                    </p:anim>
+                                    <p:anim calcmode="lin" valueType="num">
+                                      <p:cBhvr additive="base">
+                                        <p:cTn id="8" dur="500"/>
+                                        <p:tgtEl>
+                                          <p:spTgt spid="196"/>
+                                        </p:tgtEl>
+                                        <p:attrNameLst>
+                                          <p:attrName>ppt_h</p:attrName>
+                                        </p:attrNameLst>
+                                      </p:cBhvr>
+                                      <p:tavLst>
+                                        <p:tav tm="0">
+                                          <p:val>
+                                            <p:strVal val="0"/>
+                                          </p:val>
+                                        </p:tav>
+                                        <p:tav tm="100000">
+                                          <p:val>
+                                            <p:strVal val="#ppt_h"/>
+                                          </p:val>
+                                        </p:tav>
+                                      </p:tavLst>
+                                    </p:anim>
                                   </p:childTnLst>
                                 </p:cTn>
                               </p:par>
@@ -19778,26 +19837,26 @@
                     </p:cTn>
                   </p:par>
                   <p:par>
-                    <p:cTn id="7" fill="hold">
+                    <p:cTn id="9" fill="hold">
                       <p:stCondLst>
                         <p:cond delay="indefinite"/>
                       </p:stCondLst>
                       <p:childTnLst>
                         <p:par>
-                          <p:cTn id="8" fill="hold">
+                          <p:cTn id="10" fill="hold">
                             <p:stCondLst>
                               <p:cond delay="0"/>
                             </p:stCondLst>
                             <p:childTnLst>
                               <p:par>
-                                <p:cTn id="9" presetID="1" presetClass="entr" presetSubtype="0" fill="hold" nodeType="clickEffect">
+                                <p:cTn id="11" presetID="23" presetClass="entr" presetSubtype="16" fill="hold" nodeType="clickEffect">
                                   <p:stCondLst>
                                     <p:cond delay="0"/>
                                   </p:stCondLst>
                                   <p:childTnLst>
                                     <p:set>
                                       <p:cBhvr>
-                                        <p:cTn id="10" dur="1" fill="hold">
+                                        <p:cTn id="12" dur="1" fill="hold">
                                           <p:stCondLst>
                                             <p:cond delay="0"/>
                                           </p:stCondLst>
@@ -19813,51 +19872,52 @@
                                         <p:strVal val="visible"/>
                                       </p:to>
                                     </p:set>
-                                  </p:childTnLst>
-                                </p:cTn>
-                              </p:par>
-                            </p:childTnLst>
-                          </p:cTn>
-                        </p:par>
-                      </p:childTnLst>
-                    </p:cTn>
-                  </p:par>
-                  <p:par>
-                    <p:cTn id="11" fill="hold">
-                      <p:stCondLst>
-                        <p:cond delay="indefinite"/>
-                      </p:stCondLst>
-                      <p:childTnLst>
-                        <p:par>
-                          <p:cTn id="12" fill="hold">
-                            <p:stCondLst>
-                              <p:cond delay="0"/>
-                            </p:stCondLst>
-                            <p:childTnLst>
-                              <p:par>
-                                <p:cTn id="13" presetID="1" presetClass="entr" presetSubtype="0" fill="hold" nodeType="clickEffect">
-                                  <p:stCondLst>
-                                    <p:cond delay="0"/>
-                                  </p:stCondLst>
-                                  <p:childTnLst>
-                                    <p:set>
-                                      <p:cBhvr>
-                                        <p:cTn id="14" dur="1" fill="hold">
-                                          <p:stCondLst>
-                                            <p:cond delay="0"/>
-                                          </p:stCondLst>
-                                        </p:cTn>
+                                    <p:anim calcmode="lin" valueType="num">
+                                      <p:cBhvr additive="base">
+                                        <p:cTn id="13" dur="500"/>
                                         <p:tgtEl>
-                                          <p:spTgt spid="198"/>
+                                          <p:spTgt spid="197"/>
                                         </p:tgtEl>
                                         <p:attrNameLst>
-                                          <p:attrName>style.visibility</p:attrName>
+                                          <p:attrName>ppt_w</p:attrName>
                                         </p:attrNameLst>
                                       </p:cBhvr>
-                                      <p:to>
-                                        <p:strVal val="visible"/>
-                                      </p:to>
-                                    </p:set>
+                                      <p:tavLst>
+                                        <p:tav tm="0">
+                                          <p:val>
+                                            <p:strVal val="0"/>
+                                          </p:val>
+                                        </p:tav>
+                                        <p:tav tm="100000">
+                                          <p:val>
+                                            <p:strVal val="#ppt_w"/>
+                                          </p:val>
+                                        </p:tav>
+                                      </p:tavLst>
+                                    </p:anim>
+                                    <p:anim calcmode="lin" valueType="num">
+                                      <p:cBhvr additive="base">
+                                        <p:cTn id="14" dur="500"/>
+                                        <p:tgtEl>
+                                          <p:spTgt spid="197"/>
+                                        </p:tgtEl>
+                                        <p:attrNameLst>
+                                          <p:attrName>ppt_h</p:attrName>
+                                        </p:attrNameLst>
+                                      </p:cBhvr>
+                                      <p:tavLst>
+                                        <p:tav tm="0">
+                                          <p:val>
+                                            <p:strVal val="0"/>
+                                          </p:val>
+                                        </p:tav>
+                                        <p:tav tm="100000">
+                                          <p:val>
+                                            <p:strVal val="#ppt_h"/>
+                                          </p:val>
+                                        </p:tav>
+                                      </p:tavLst>
+                                    </p:anim>
                                   </p:childTnLst>
                                 </p:cTn>
                               </p:par>
@@ -19880,7 +19940,7 @@
                             </p:stCondLst>
                             <p:childTnLst>
                               <p:par>
-                                <p:cTn id="17" presetID="1" presetClass="entr" presetSubtype="0" fill="hold" nodeType="clickEffect">
+                                <p:cTn id="17" presetID="23" presetClass="entr" presetSubtype="16" fill="hold" nodeType="clickEffect">
                                   <p:stCondLst>
                                     <p:cond delay="0"/>
                                   </p:stCondLst>
@@ -19888,6 +19948,97 @@
                                     <p:set>
                                       <p:cBhvr>
                                         <p:cTn id="18" dur="1" fill="hold">
+                                          <p:stCondLst>
+                                            <p:cond delay="0"/>
+                                          </p:stCondLst>
+                                        </p:cTn>
+                                        <p:tgtEl>
+                                          <p:spTgt spid="198"/>
+                                        </p:tgtEl>
+                                        <p:attrNameLst>
+                                          <p:attrName>style.visibility</p:attrName>
+                                        </p:attrNameLst>
+                                      </p:cBhvr>
+                                      <p:to>
+                                        <p:strVal val="visible"/>
+                                      </p:to>
+                                    </p:set>
+                                    <p:anim calcmode="lin" valueType="num">
+                                      <p:cBhvr additive="base">
+                                        <p:cTn id="19" dur="500"/>
+                                        <p:tgtEl>
+                                          <p:spTgt spid="198"/>
+                                        </p:tgtEl>
+                                        <p:attrNameLst>
+                                          <p:attrName>ppt_w</p:attrName>
+                                        </p:attrNameLst>
+                                      </p:cBhvr>
+                                      <p:tavLst>
+                                        <p:tav tm="0">
+                                          <p:val>
+                                            <p:strVal val="0"/>
+                                          </p:val>
+                                        </p:tav>
+                                        <p:tav tm="100000">
+                                          <p:val>
+                                            <p:strVal val="#ppt_w"/>
+                                          </p:val>
+                                        </p:tav>
+                                      </p:tavLst>
+                                    </p:anim>
+                                    <p:anim calcmode="lin" valueType="num">
+                                      <p:cBhvr additive="base">
+                                        <p:cTn id="20" dur="500"/>
+                                        <p:tgtEl>
+                                          <p:spTgt spid="198"/>
+                                        </p:tgtEl>
+                                        <p:attrNameLst>
+                                          <p:attrName>ppt_h</p:attrName>
+                                        </p:attrNameLst>
+                                      </p:cBhvr>
+                                      <p:tavLst>
+                                        <p:tav tm="0">
+                                          <p:val>
+                                            <p:strVal val="0"/>
+                                          </p:val>
+                                        </p:tav>
+                                        <p:tav tm="100000">
+                                          <p:val>
+                                            <p:strVal val="#ppt_h"/>
+                                          </p:val>
+                                        </p:tav>
+                                      </p:tavLst>
+                                    </p:anim>
+                                  </p:childTnLst>
+                                </p:cTn>
+                              </p:par>
+                            </p:childTnLst>
+                          </p:cTn>
+                        </p:par>
+                      </p:childTnLst>
+                    </p:cTn>
+                  </p:par>
+                  <p:par>
+                    <p:cTn id="21" fill="hold">
+                      <p:stCondLst>
+                        <p:cond delay="indefinite"/>
+                      </p:stCondLst>
+                      <p:childTnLst>
+                        <p:par>
+                          <p:cTn id="22" fill="hold">
+                            <p:stCondLst>
+                              <p:cond delay="0"/>
+                            </p:stCondLst>
+                            <p:childTnLst>
+                              <p:par>
+                                <p:cTn id="23" presetID="23" presetClass="entr" presetSubtype="16" fill="hold" nodeType="clickEffect">
+                                  <p:stCondLst>
+                                    <p:cond delay="0"/>
+                                  </p:stCondLst>
+                                  <p:childTnLst>
+                                    <p:set>
+                                      <p:cBhvr>
+                                        <p:cTn id="24" dur="1" fill="hold">
                                           <p:stCondLst>
                                             <p:cond delay="0"/>
                                           </p:stCondLst>
@@ -19903,6 +20054,52 @@
                                         <p:strVal val="visible"/>
                                       </p:to>
                                     </p:set>
+                                    <p:anim calcmode="lin" valueType="num">
+                                      <p:cBhvr additive="base">
+                                        <p:cTn id="25" dur="500"/>
+                                        <p:tgtEl>
+                                          <p:spTgt spid="199"/>
+                                        </p:tgtEl>
+                                        <p:attrNameLst>
+                                          <p:attrName>ppt_w</p:attrName>
+                                        </p:attrNameLst>
+                                      </p:cBhvr>
+                                      <p:tavLst>
+                                        <p:tav tm="0">
+                                          <p:val>
+                                            <p:strVal val="0"/>
+                                          </p:val>
+                                        </p:tav>
+                                        <p:tav tm="100000">
+                                          <p:val>
+                                            <p:strVal val="#ppt_w"/>
+                                          </p:val>
+                                        </p:tav>
+                                      </p:tavLst>
+                                    </p:anim>
+                                    <p:anim calcmode="lin" valueType="num">
+                                      <p:cBhvr additive="base">
+                                        <p:cTn id="26" dur="500"/>
+                                        <p:tgtEl>
+                                          <p:spTgt spid="199"/>
+                                        </p:tgtEl>
+                                        <p:attrNameLst>
+                                          <p:attrName>ppt_h</p:attrName>
+                                        </p:attrNameLst>
+                                      </p:cBhvr>
+                                      <p:tavLst>
+                                        <p:tav tm="0">
+                                          <p:val>
+                                            <p:strVal val="0"/>
+                                          </p:val>
+                                        </p:tav>
+                                        <p:tav tm="100000">
+                                          <p:val>
+                                            <p:strVal val="#ppt_h"/>
+                                          </p:val>
+                                        </p:tav>
+                                      </p:tavLst>
+                                    </p:anim>
                                   </p:childTnLst>
                                 </p:cTn>
                               </p:par>
@@ -20020,8 +20217,8 @@
         </p:nvSpPr>
         <p:spPr>
           <a:xfrm>
-            <a:off x="2122239" y="4536224"/>
-            <a:ext cx="4899520" cy="392400"/>
+            <a:off x="2211749" y="4536224"/>
+            <a:ext cx="4756078" cy="392400"/>
           </a:xfrm>
           <a:prstGeom prst="rect">
             <a:avLst/>
@@ -20037,7 +20234,7 @@
           </a:bodyPr>
           <a:lstStyle/>
           <a:p>
-            <a:pPr marL="0" marR="0" lvl="0" indent="0" algn="ctr" rtl="0">
+            <a:pPr marL="0" marR="0" lvl="0" indent="0" algn="l" rtl="0">
               <a:spcBef>
                 <a:spcPts val="0"/>
               </a:spcBef>
@@ -20153,7 +20350,7 @@
                             </p:stCondLst>
                             <p:childTnLst>
                               <p:par>
-                                <p:cTn id="5" presetID="1" presetClass="entr" presetSubtype="0" fill="hold" nodeType="clickEffect">
+                                <p:cTn id="5" presetID="23" presetClass="entr" presetSubtype="16" fill="hold" nodeType="clickEffect">
                                   <p:stCondLst>
                                     <p:cond delay="0"/>
                                   </p:stCondLst>
@@ -20176,6 +20373,52 @@
                                         <p:strVal val="visible"/>
                                       </p:to>
                                     </p:set>
+                                    <p:anim calcmode="lin" valueType="num">
+                                      <p:cBhvr additive="base">
+                                        <p:cTn id="7" dur="500"/>
+                                        <p:tgtEl>
+                                          <p:spTgt spid="205"/>
+                                        </p:tgtEl>
+                                        <p:attrNameLst>
+                                          <p:attrName>ppt_w</p:attrName>
+                                        </p:attrNameLst>
+                                      </p:cBhvr>
+                                      <p:tavLst>
+                                        <p:tav tm="0">
+                                          <p:val>
+                                            <p:strVal val="0"/>
+                                          </p:val>
+                                        </p:tav>
+                                        <p:tav tm="100000">
+                                          <p:val>
+                                            <p:strVal val="#ppt_w"/>
+                                          </p:val>
+                                        </p:tav>
+                                      </p:tavLst>
+                                    </p:anim>
+                                    <p:anim calcmode="lin" valueType="num">
+                                      <p:cBhvr additive="base">
+                                        <p:cTn id="8" dur="500"/>
+                                        <p:tgtEl>
+                                          <p:spTgt spid="205"/>
+                                        </p:tgtEl>
+                                        <p:attrNameLst>
+                                          <p:attrName>ppt_h</p:attrName>
+                                        </p:attrNameLst>
+                                      </p:cBhvr>
+                                      <p:tavLst>
+                                        <p:tav tm="0">
+                                          <p:val>
+                                            <p:strVal val="0"/>
+                                          </p:val>
+                                        </p:tav>
+                                        <p:tav tm="100000">
+                                          <p:val>
+                                            <p:strVal val="#ppt_h"/>
+                                          </p:val>
+                                        </p:tav>
+                                      </p:tavLst>
+                                    </p:anim>
                                   </p:childTnLst>
                                 </p:cTn>
                               </p:par>
@@ -21104,7 +21347,7 @@
         </p:nvSpPr>
         <p:spPr>
           <a:xfrm>
-            <a:off x="5151751" y="271847"/>
+            <a:off x="4985951" y="271848"/>
             <a:ext cx="3062906" cy="392415"/>
           </a:xfrm>
           <a:prstGeom prst="rect">
@@ -21131,7 +21374,7 @@
               <a:buNone/>
             </a:pPr>
             <a:r>
-              <a:rPr lang="it" sz="2100" dirty="0">
+              <a:rPr lang="it" sz="2100">
                 <a:solidFill>
                   <a:schemeClr val="dk1"/>
                 </a:solidFill>
@@ -21142,7 +21385,7 @@
               </a:rPr>
               <a:t>Triangolazione di Delaunay</a:t>
             </a:r>
-            <a:endParaRPr sz="2100" dirty="0">
+            <a:endParaRPr sz="2100">
               <a:solidFill>
                 <a:schemeClr val="dk1"/>
               </a:solidFill>
@@ -21643,7 +21886,7 @@
                             </p:stCondLst>
                             <p:childTnLst>
                               <p:par>
-                                <p:cTn id="5" presetID="1" presetClass="entr" presetSubtype="0" fill="hold" nodeType="clickEffect">
+                                <p:cTn id="5" presetID="23" presetClass="entr" presetSubtype="16" fill="hold" nodeType="clickEffect">
                                   <p:stCondLst>
                                     <p:cond delay="0"/>
                                   </p:stCondLst>
@@ -21666,6 +21909,52 @@
                                         <p:strVal val="visible"/>
                                       </p:to>
                                     </p:set>
+                                    <p:anim calcmode="lin" valueType="num">
+                                      <p:cBhvr additive="base">
+                                        <p:cTn id="7" dur="500"/>
+                                        <p:tgtEl>
+                                          <p:spTgt spid="229"/>
+                                        </p:tgtEl>
+                                        <p:attrNameLst>
+                                          <p:attrName>ppt_w</p:attrName>
+                                        </p:attrNameLst>
+                                      </p:cBhvr>
+                                      <p:tavLst>
+                                        <p:tav tm="0">
+                                          <p:val>
+                                            <p:strVal val="0"/>
+                                          </p:val>
+                                        </p:tav>
+                                        <p:tav tm="100000">
+                                          <p:val>
+                                            <p:strVal val="#ppt_w"/>
+                                          </p:val>
+                                        </p:tav>
+                                      </p:tavLst>
+                                    </p:anim>
+                                    <p:anim calcmode="lin" valueType="num">
+                                      <p:cBhvr additive="base">
+                                        <p:cTn id="8" dur="500"/>
+                                        <p:tgtEl>
+                                          <p:spTgt spid="229"/>
+                                        </p:tgtEl>
+                                        <p:attrNameLst>
+                                          <p:attrName>ppt_h</p:attrName>
+                                        </p:attrNameLst>
+                                      </p:cBhvr>
+                                      <p:tavLst>
+                                        <p:tav tm="0">
+                                          <p:val>
+                                            <p:strVal val="0"/>
+                                          </p:val>
+                                        </p:tav>
+                                        <p:tav tm="100000">
+                                          <p:val>
+                                            <p:strVal val="#ppt_h"/>
+                                          </p:val>
+                                        </p:tav>
+                                      </p:tavLst>
+                                    </p:anim>
                                   </p:childTnLst>
                                 </p:cTn>
                               </p:par>
@@ -22311,7 +22600,7 @@
                             </p:stCondLst>
                             <p:childTnLst>
                               <p:par>
-                                <p:cTn id="5" presetID="1" presetClass="entr" presetSubtype="0" fill="hold" nodeType="clickEffect">
+                                <p:cTn id="5" presetID="23" presetClass="entr" presetSubtype="16" fill="hold" nodeType="clickEffect">
                                   <p:stCondLst>
                                     <p:cond delay="0"/>
                                   </p:stCondLst>
@@ -22334,18 +22623,64 @@
                                         <p:strVal val="visible"/>
                                       </p:to>
                                     </p:set>
+                                    <p:anim calcmode="lin" valueType="num">
+                                      <p:cBhvr additive="base">
+                                        <p:cTn id="7" dur="500"/>
+                                        <p:tgtEl>
+                                          <p:spTgt spid="237"/>
+                                        </p:tgtEl>
+                                        <p:attrNameLst>
+                                          <p:attrName>ppt_w</p:attrName>
+                                        </p:attrNameLst>
+                                      </p:cBhvr>
+                                      <p:tavLst>
+                                        <p:tav tm="0">
+                                          <p:val>
+                                            <p:strVal val="0"/>
+                                          </p:val>
+                                        </p:tav>
+                                        <p:tav tm="100000">
+                                          <p:val>
+                                            <p:strVal val="#ppt_w"/>
+                                          </p:val>
+                                        </p:tav>
+                                      </p:tavLst>
+                                    </p:anim>
+                                    <p:anim calcmode="lin" valueType="num">
+                                      <p:cBhvr additive="base">
+                                        <p:cTn id="8" dur="500"/>
+                                        <p:tgtEl>
+                                          <p:spTgt spid="237"/>
+                                        </p:tgtEl>
+                                        <p:attrNameLst>
+                                          <p:attrName>ppt_h</p:attrName>
+                                        </p:attrNameLst>
+                                      </p:cBhvr>
+                                      <p:tavLst>
+                                        <p:tav tm="0">
+                                          <p:val>
+                                            <p:strVal val="0"/>
+                                          </p:val>
+                                        </p:tav>
+                                        <p:tav tm="100000">
+                                          <p:val>
+                                            <p:strVal val="#ppt_h"/>
+                                          </p:val>
+                                        </p:tav>
+                                      </p:tavLst>
+                                    </p:anim>
                                   </p:childTnLst>
                                 </p:cTn>
                               </p:par>
                               <p:par>
-                                <p:cTn id="7" presetID="1" presetClass="entr" presetSubtype="0" fill="hold" nodeType="withEffect">
+                                <p:cTn id="9" presetID="23" presetClass="entr" presetSubtype="16" fill="hold" nodeType="withEffect">
                                   <p:stCondLst>
                                     <p:cond delay="0"/>
                                   </p:stCondLst>
                                   <p:childTnLst>
                                     <p:set>
                                       <p:cBhvr>
-                                        <p:cTn id="8" dur="1" fill="hold">
+                                        <p:cTn id="10" dur="1" fill="hold">
                                           <p:stCondLst>
                                             <p:cond delay="0"/>
                                           </p:stCondLst>
@@ -22361,6 +22696,52 @@
                                         <p:strVal val="visible"/>
                                       </p:to>
                                     </p:set>
+                                    <p:anim calcmode="lin" valueType="num">
+                                      <p:cBhvr additive="base">
+                                        <p:cTn id="11" dur="500"/>
+                                        <p:tgtEl>
+                                          <p:spTgt spid="238"/>
+                                        </p:tgtEl>
+                                        <p:attrNameLst>
+                                          <p:attrName>ppt_w</p:attrName>
+                                        </p:attrNameLst>
+                                      </p:cBhvr>
+                                      <p:tavLst>
+                                        <p:tav tm="0">
+                                          <p:val>
+                                            <p:strVal val="0"/>
+                                          </p:val>
+                                        </p:tav>
+                                        <p:tav tm="100000">
+                                          <p:val>
+                                            <p:strVal val="#ppt_w"/>
+                                          </p:val>
+                                        </p:tav>
+                                      </p:tavLst>
+                                    </p:anim>
+                                    <p:anim calcmode="lin" valueType="num">
+                                      <p:cBhvr additive="base">
+                                        <p:cTn id="12" dur="500"/>
+                                        <p:tgtEl>
+                                          <p:spTgt spid="238"/>
+                                        </p:tgtEl>
+                                        <p:attrNameLst>
+                                          <p:attrName>ppt_h</p:attrName>
+                                        </p:attrNameLst>
+                                      </p:cBhvr>
+                                      <p:tavLst>
+                                        <p:tav tm="0">
+                                          <p:val>
+                                            <p:strVal val="0"/>
+                                          </p:val>
+                                        </p:tav>
+                                        <p:tav tm="100000">
+                                          <p:val>
+                                            <p:strVal val="#ppt_h"/>
+                                          </p:val>
+                                        </p:tav>
+                                      </p:tavLst>
+                                    </p:anim>
                                   </p:childTnLst>
                                 </p:cTn>
                               </p:par>
@@ -22371,26 +22752,26 @@
                     </p:cTn>
                   </p:par>
                   <p:par>
-                    <p:cTn id="9" fill="hold">
+                    <p:cTn id="13" fill="hold">
                       <p:stCondLst>
                         <p:cond delay="indefinite"/>
                       </p:stCondLst>
                       <p:childTnLst>
                         <p:par>
-                          <p:cTn id="10" fill="hold">
+                          <p:cTn id="14" fill="hold">
                             <p:stCondLst>
                               <p:cond delay="0"/>
                             </p:stCondLst>
                             <p:childTnLst>
                               <p:par>
-                                <p:cTn id="11" presetID="1" presetClass="entr" presetSubtype="0" fill="hold" nodeType="clickEffect">
+                                <p:cTn id="15" presetID="23" presetClass="entr" presetSubtype="16" fill="hold" nodeType="clickEffect">
                                   <p:stCondLst>
                                     <p:cond delay="0"/>
                                   </p:stCondLst>
                                   <p:childTnLst>
                                     <p:set>
                                       <p:cBhvr>
-                                        <p:cTn id="12" dur="1" fill="hold">
+                                        <p:cTn id="16" dur="1" fill="hold">
                                           <p:stCondLst>
                                             <p:cond delay="0"/>
                                           </p:stCondLst>
@@ -22406,18 +22787,64 @@
                                         <p:strVal val="visible"/>
                                       </p:to>
                                     </p:set>
+                                    <p:anim calcmode="lin" valueType="num">
+                                      <p:cBhvr additive="base">
+                                        <p:cTn id="17" dur="500"/>
+                                        <p:tgtEl>
+                                          <p:spTgt spid="239"/>
+                                        </p:tgtEl>
+                                        <p:attrNameLst>
+                                          <p:attrName>ppt_w</p:attrName>
+                                        </p:attrNameLst>
+                                      </p:cBhvr>
+                                      <p:tavLst>
+                                        <p:tav tm="0">
+                                          <p:val>
+                                            <p:strVal val="0"/>
+                                          </p:val>
+                                        </p:tav>
+                                        <p:tav tm="100000">
+                                          <p:val>
+                                            <p:strVal val="#ppt_w"/>
+                                          </p:val>
+                                        </p:tav>
+                                      </p:tavLst>
+                                    </p:anim>
+                                    <p:anim calcmode="lin" valueType="num">
+                                      <p:cBhvr additive="base">
+                                        <p:cTn id="18" dur="500"/>
+                                        <p:tgtEl>
+                                          <p:spTgt spid="239"/>
+                                        </p:tgtEl>
+                                        <p:attrNameLst>
+                                          <p:attrName>ppt_h</p:attrName>
+                                        </p:attrNameLst>
+                                      </p:cBhvr>
+                                      <p:tavLst>
+                                        <p:tav tm="0">
+                                          <p:val>
+                                            <p:strVal val="0"/>
+                                          </p:val>
+                                        </p:tav>
+                                        <p:tav tm="100000">
+                                          <p:val>
+                                            <p:strVal val="#ppt_h"/>
+                                          </p:val>
+                                        </p:tav>
+                                      </p:tavLst>
+                                    </p:anim>
                                   </p:childTnLst>
                                 </p:cTn>
                               </p:par>
                               <p:par>
-                                <p:cTn id="13" presetID="1" presetClass="entr" presetSubtype="0" fill="hold" nodeType="withEffect">
+                                <p:cTn id="19" presetID="23" presetClass="entr" presetSubtype="16" fill="hold" nodeType="withEffect">
                                   <p:stCondLst>
                                     <p:cond delay="0"/>
                                   </p:stCondLst>
                                   <p:childTnLst>
                                     <p:set>
                                       <p:cBhvr>
-                                        <p:cTn id="14" dur="1" fill="hold">
+                                        <p:cTn id="20" dur="1" fill="hold">
                                           <p:stCondLst>
                                             <p:cond delay="0"/>
                                           </p:stCondLst>
@@ -22433,6 +22860,52 @@
                                         <p:strVal val="visible"/>
                                       </p:to>
                                     </p:set>
+                                    <p:anim calcmode="lin" valueType="num">
+                                      <p:cBhvr additive="base">
+                                        <p:cTn id="21" dur="500"/>
+                                        <p:tgtEl>
+                                          <p:spTgt spid="240"/>
+                                        </p:tgtEl>
+                                        <p:attrNameLst>
+                                          <p:attrName>ppt_w</p:attrName>
+                                        </p:attrNameLst>
+                                      </p:cBhvr>
+                                      <p:tavLst>
+                                        <p:tav tm="0">
+                                          <p:val>
+                                            <p:strVal val="0"/>
+                                          </p:val>
+                                        </p:tav>
+                                        <p:tav tm="100000">
+                                          <p:val>
+                                            <p:strVal val="#ppt_w"/>
+                                          </p:val>
+                                        </p:tav>
+                                      </p:tavLst>
+                                    </p:anim>
+                                    <p:anim calcmode="lin" valueType="num">
+                                      <p:cBhvr additive="base">
+                                        <p:cTn id="22" dur="500"/>
+                                        <p:tgtEl>
+                                          <p:spTgt spid="240"/>
+                                        </p:tgtEl>
+                                        <p:attrNameLst>
+                                          <p:attrName>ppt_h</p:attrName>
+                                        </p:attrNameLst>
+                                      </p:cBhvr>
+                                      <p:tavLst>
+                                        <p:tav tm="0">
+                                          <p:val>
+                                            <p:strVal val="0"/>
+                                          </p:val>
+                                        </p:tav>
+                                        <p:tav tm="100000">
+                                          <p:val>
+                                            <p:strVal val="#ppt_h"/>
+                                          </p:val>
+                                        </p:tav>
+                                      </p:tavLst>
+                                    </p:anim>
                                   </p:childTnLst>
                                 </p:cTn>
                               </p:par>
@@ -23364,7 +23837,7 @@
                             </p:stCondLst>
                             <p:childTnLst>
                               <p:par>
-                                <p:cTn id="5" presetID="1" presetClass="entr" presetSubtype="0" fill="hold" nodeType="clickEffect">
+                                <p:cTn id="5" presetID="23" presetClass="entr" presetSubtype="16" fill="hold" nodeType="clickEffect">
                                   <p:stCondLst>
                                     <p:cond delay="0"/>
                                   </p:stCondLst>
@@ -23387,6 +23860,52 @@
                                         <p:strVal val="visible"/>
                                       </p:to>
                                     </p:set>
+                                    <p:anim calcmode="lin" valueType="num">
+                                      <p:cBhvr additive="base">
+                                        <p:cTn id="7" dur="500"/>
+                                        <p:tgtEl>
+                                          <p:spTgt spid="252"/>
+                                        </p:tgtEl>
+                                        <p:attrNameLst>
+                                          <p:attrName>ppt_w</p:attrName>
+                                        </p:attrNameLst>
+                                      </p:cBhvr>
+                                      <p:tavLst>
+                                        <p:tav tm="0">
+                                          <p:val>
+                                            <p:strVal val="0"/>
+                                          </p:val>
+                                        </p:tav>
+                                        <p:tav tm="100000">
+                                          <p:val>
+                                            <p:strVal val="#ppt_w"/>
+                                          </p:val>
+                                        </p:tav>
+                                      </p:tavLst>
+                                    </p:anim>
+                                    <p:anim calcmode="lin" valueType="num">
+                                      <p:cBhvr additive="base">
+                                        <p:cTn id="8" dur="500"/>
+                                        <p:tgtEl>
+                                          <p:spTgt spid="252"/>
+                                        </p:tgtEl>
+                                        <p:attrNameLst>
+                                          <p:attrName>ppt_h</p:attrName>
+                                        </p:attrNameLst>
+                                      </p:cBhvr>
+                                      <p:tavLst>
+                                        <p:tav tm="0">
+                                          <p:val>
+                                            <p:strVal val="0"/>
+                                          </p:val>
+                                        </p:tav>
+                                        <p:tav tm="100000">
+                                          <p:val>
+                                            <p:strVal val="#ppt_h"/>
+                                          </p:val>
+                                        </p:tav>
+                                      </p:tavLst>
+                                    </p:anim>
                                   </p:childTnLst>
                                 </p:cTn>
                               </p:par>
@@ -23397,26 +23916,26 @@
                     </p:cTn>
                   </p:par>
                   <p:par>
-                    <p:cTn id="7" fill="hold">
+                    <p:cTn id="9" fill="hold">
                       <p:stCondLst>
                         <p:cond delay="indefinite"/>
                       </p:stCondLst>
                       <p:childTnLst>
                         <p:par>
-                          <p:cTn id="8" fill="hold">
+                          <p:cTn id="10" fill="hold">
                             <p:stCondLst>
                               <p:cond delay="0"/>
                             </p:stCondLst>
                             <p:childTnLst>
                               <p:par>
-                                <p:cTn id="9" presetID="1" presetClass="entr" presetSubtype="0" fill="hold" nodeType="clickEffect">
+                                <p:cTn id="11" presetID="23" presetClass="entr" presetSubtype="16" fill="hold" nodeType="clickEffect">
                                   <p:stCondLst>
                                     <p:cond delay="0"/>
                                   </p:stCondLst>
                                   <p:childTnLst>
                                     <p:set>
                                       <p:cBhvr>
-                                        <p:cTn id="10" dur="1" fill="hold">
+                                        <p:cTn id="12" dur="1" fill="hold">
                                           <p:stCondLst>
                                             <p:cond delay="0"/>
                                           </p:stCondLst>
@@ -23432,51 +23951,52 @@
                                         <p:strVal val="visible"/>
                                       </p:to>
                                     </p:set>
-                                  </p:childTnLst>
-                                </p:cTn>
-                              </p:par>
-                            </p:childTnLst>
-                          </p:cTn>
-                        </p:par>
-                      </p:childTnLst>
-                    </p:cTn>
-                  </p:par>
-                  <p:par>
-                    <p:cTn id="11" fill="hold">
-                      <p:stCondLst>
-                        <p:cond delay="indefinite"/>
-                      </p:stCondLst>
-                      <p:childTnLst>
-                        <p:par>
-                          <p:cTn id="12" fill="hold">
-                            <p:stCondLst>
-                              <p:cond delay="0"/>
-                            </p:stCondLst>
-                            <p:childTnLst>
-                              <p:par>
-                                <p:cTn id="13" presetID="1" presetClass="entr" presetSubtype="0" fill="hold" nodeType="clickEffect">
-                                  <p:stCondLst>
-                                    <p:cond delay="0"/>
-                                  </p:stCondLst>
-                                  <p:childTnLst>
-                                    <p:set>
-                                      <p:cBhvr>
-                                        <p:cTn id="14" dur="1" fill="hold">
-                                          <p:stCondLst>
-                                            <p:cond delay="0"/>
-                                          </p:stCondLst>
-                                        </p:cTn>
+                                    <p:anim calcmode="lin" valueType="num">
+                                      <p:cBhvr additive="base">
+                                        <p:cTn id="13" dur="500"/>
                                         <p:tgtEl>
-                                          <p:spTgt spid="254"/>
+                                          <p:spTgt spid="253"/>
                                         </p:tgtEl>
                                         <p:attrNameLst>
-                                          <p:attrName>style.visibility</p:attrName>
+                                          <p:attrName>ppt_w</p:attrName>
                                         </p:attrNameLst>
                                       </p:cBhvr>
-                                      <p:to>
-                                        <p:strVal val="visible"/>
-                                      </p:to>
-                                    </p:set>
+                                      <p:tavLst>
+                                        <p:tav tm="0">
+                                          <p:val>
+                                            <p:strVal val="0"/>
+                                          </p:val>
+                                        </p:tav>
+                                        <p:tav tm="100000">
+                                          <p:val>
+                                            <p:strVal val="#ppt_w"/>
+                                          </p:val>
+                                        </p:tav>
+                                      </p:tavLst>
+                                    </p:anim>
+                                    <p:anim calcmode="lin" valueType="num">
+                                      <p:cBhvr additive="base">
+                                        <p:cTn id="14" dur="500"/>
+                                        <p:tgtEl>
+                                          <p:spTgt spid="253"/>
+                                        </p:tgtEl>
+                                        <p:attrNameLst>
+                                          <p:attrName>ppt_h</p:attrName>
+                                        </p:attrNameLst>
+                                      </p:cBhvr>
+                                      <p:tavLst>
+                                        <p:tav tm="0">
+                                          <p:val>
+                                            <p:strVal val="0"/>
+                                          </p:val>
+                                        </p:tav>
+                                        <p:tav tm="100000">
+                                          <p:val>
+                                            <p:strVal val="#ppt_h"/>
+                                          </p:val>
+                                        </p:tav>
+                                      </p:tavLst>
+                                    </p:anim>
                                   </p:childTnLst>
                                 </p:cTn>
                               </p:par>
@@ -23499,7 +24019,7 @@
                             </p:stCondLst>
                             <p:childTnLst>
                               <p:par>
-                                <p:cTn id="17" presetID="1" presetClass="entr" presetSubtype="0" fill="hold" nodeType="clickEffect">
+                                <p:cTn id="17" presetID="23" presetClass="entr" presetSubtype="16" fill="hold" nodeType="clickEffect">
                                   <p:stCondLst>
                                     <p:cond delay="0"/>
                                   </p:stCondLst>
@@ -23507,6 +24027,97 @@
                                     <p:set>
                                       <p:cBhvr>
                                         <p:cTn id="18" dur="1" fill="hold">
+                                          <p:stCondLst>
+                                            <p:cond delay="0"/>
+                                          </p:stCondLst>
+                                        </p:cTn>
+                                        <p:tgtEl>
+                                          <p:spTgt spid="254"/>
+                                        </p:tgtEl>
+                                        <p:attrNameLst>
+                                          <p:attrName>style.visibility</p:attrName>
+                                        </p:attrNameLst>
+                                      </p:cBhvr>
+                                      <p:to>
+                                        <p:strVal val="visible"/>
+                                      </p:to>
+                                    </p:set>
+                                    <p:anim calcmode="lin" valueType="num">
+                                      <p:cBhvr additive="base">
+                                        <p:cTn id="19" dur="500"/>
+                                        <p:tgtEl>
+                                          <p:spTgt spid="254"/>
+                                        </p:tgtEl>
+                                        <p:attrNameLst>
+                                          <p:attrName>ppt_w</p:attrName>
+                                        </p:attrNameLst>
+                                      </p:cBhvr>
+                                      <p:tavLst>
+                                        <p:tav tm="0">
+                                          <p:val>
+                                            <p:strVal val="0"/>
+                                          </p:val>
+                                        </p:tav>
+                                        <p:tav tm="100000">
+                                          <p:val>
+                                            <p:strVal val="#ppt_w"/>
+                                          </p:val>
+                                        </p:tav>
+                                      </p:tavLst>
+                                    </p:anim>
+                                    <p:anim calcmode="lin" valueType="num">
+                                      <p:cBhvr additive="base">
+                                        <p:cTn id="20" dur="500"/>
+                                        <p:tgtEl>
+                                          <p:spTgt spid="254"/>
+                                        </p:tgtEl>
+                                        <p:attrNameLst>
+                                          <p:attrName>ppt_h</p:attrName>
+                                        </p:attrNameLst>
+                                      </p:cBhvr>
+                                      <p:tavLst>
+                                        <p:tav tm="0">
+                                          <p:val>
+                                            <p:strVal val="0"/>
+                                          </p:val>
+                                        </p:tav>
+                                        <p:tav tm="100000">
+                                          <p:val>
+                                            <p:strVal val="#ppt_h"/>
+                                          </p:val>
+                                        </p:tav>
+                                      </p:tavLst>
+                                    </p:anim>
+                                  </p:childTnLst>
+                                </p:cTn>
+                              </p:par>
+                            </p:childTnLst>
+                          </p:cTn>
+                        </p:par>
+                      </p:childTnLst>
+                    </p:cTn>
+                  </p:par>
+                  <p:par>
+                    <p:cTn id="21" fill="hold">
+                      <p:stCondLst>
+                        <p:cond delay="indefinite"/>
+                      </p:stCondLst>
+                      <p:childTnLst>
+                        <p:par>
+                          <p:cTn id="22" fill="hold">
+                            <p:stCondLst>
+                              <p:cond delay="0"/>
+                            </p:stCondLst>
+                            <p:childTnLst>
+                              <p:par>
+                                <p:cTn id="23" presetID="23" presetClass="entr" presetSubtype="16" fill="hold" nodeType="clickEffect">
+                                  <p:stCondLst>
+                                    <p:cond delay="0"/>
+                                  </p:stCondLst>
+                                  <p:childTnLst>
+                                    <p:set>
+                                      <p:cBhvr>
+                                        <p:cTn id="24" dur="1" fill="hold">
                                           <p:stCondLst>
                                             <p:cond delay="0"/>
                                           </p:stCondLst>
@@ -23522,6 +24133,52 @@
                                         <p:strVal val="visible"/>
                                       </p:to>
                                     </p:set>
+                                    <p:anim calcmode="lin" valueType="num">
+                                      <p:cBhvr additive="base">
+                                        <p:cTn id="25" dur="500"/>
+                                        <p:tgtEl>
+                                          <p:spTgt spid="255"/>
+                                        </p:tgtEl>
+                                        <p:attrNameLst>
+                                          <p:attrName>ppt_w</p:attrName>
+                                        </p:attrNameLst>
+                                      </p:cBhvr>
+                                      <p:tavLst>
+                                        <p:tav tm="0">
+                                          <p:val>
+                                            <p:strVal val="0"/>
+                                          </p:val>
+                                        </p:tav>
+                                        <p:tav tm="100000">
+                                          <p:val>
+                                            <p:strVal val="#ppt_w"/>
+                                          </p:val>
+                                        </p:tav>
+                                      </p:tavLst>
+                                    </p:anim>
+                                    <p:anim calcmode="lin" valueType="num">
+                                      <p:cBhvr additive="base">
+                                        <p:cTn id="26" dur="500"/>
+                                        <p:tgtEl>
+                                          <p:spTgt spid="255"/>
+                                        </p:tgtEl>
+                                        <p:attrNameLst>
+                                          <p:attrName>ppt_h</p:attrName>
+                                        </p:attrNameLst>
+                                      </p:cBhvr>
+                                      <p:tavLst>
+                                        <p:tav tm="0">
+                                          <p:val>
+                                            <p:strVal val="0"/>
+                                          </p:val>
+                                        </p:tav>
+                                        <p:tav tm="100000">
+                                          <p:val>
+                                            <p:strVal val="#ppt_h"/>
+                                          </p:val>
+                                        </p:tav>
+                                      </p:tavLst>
+                                    </p:anim>
                                   </p:childTnLst>
                                 </p:cTn>
                               </p:par>
@@ -23532,26 +24189,26 @@
                     </p:cTn>
                   </p:par>
                   <p:par>
-                    <p:cTn id="19" fill="hold">
+                    <p:cTn id="27" fill="hold">
                       <p:stCondLst>
                         <p:cond delay="indefinite"/>
                       </p:stCondLst>
                       <p:childTnLst>
                         <p:par>
-                          <p:cTn id="20" fill="hold">
+                          <p:cTn id="28" fill="hold">
                             <p:stCondLst>
                               <p:cond delay="0"/>
                             </p:stCondLst>
                             <p:childTnLst>
                               <p:par>
-                                <p:cTn id="21" presetID="1" presetClass="entr" presetSubtype="0" fill="hold" nodeType="clickEffect">
+                                <p:cTn id="29" presetID="23" presetClass="entr" presetSubtype="16" fill="hold" nodeType="clickEffect">
                                   <p:stCondLst>
                                     <p:cond delay="0"/>
                                   </p:stCondLst>
                                   <p:childTnLst>
                                     <p:set>
                                       <p:cBhvr>
-                                        <p:cTn id="22" dur="1" fill="hold">
+                                        <p:cTn id="30" dur="1" fill="hold">
                                           <p:stCondLst>
                                             <p:cond delay="0"/>
                                           </p:stCondLst>
@@ -23567,6 +24224,52 @@
                                         <p:strVal val="visible"/>
                                       </p:to>
                                     </p:set>
+                                    <p:anim calcmode="lin" valueType="num">
+                                      <p:cBhvr additive="base">
+                                        <p:cTn id="31" dur="500"/>
+                                        <p:tgtEl>
+                                          <p:spTgt spid="256"/>
+                                        </p:tgtEl>
+                                        <p:attrNameLst>
+                                          <p:attrName>ppt_w</p:attrName>
+                                        </p:attrNameLst>
+                                      </p:cBhvr>
+                                      <p:tavLst>
+                                        <p:tav tm="0">
+                                          <p:val>
+                                            <p:strVal val="0"/>
+                                          </p:val>
+                                        </p:tav>
+                                        <p:tav tm="100000">
+                                          <p:val>
+                                            <p:strVal val="#ppt_w"/>
+                                          </p:val>
+                                        </p:tav>
+                                      </p:tavLst>
+                                    </p:anim>
+                                    <p:anim calcmode="lin" valueType="num">
+                                      <p:cBhvr additive="base">
+                                        <p:cTn id="32" dur="500"/>
+                                        <p:tgtEl>
+                                          <p:spTgt spid="256"/>
+                                        </p:tgtEl>
+                                        <p:attrNameLst>
+                                          <p:attrName>ppt_h</p:attrName>
+                                        </p:attrNameLst>
+                                      </p:cBhvr>
+                                      <p:tavLst>
+                                        <p:tav tm="0">
+                                          <p:val>
+                                            <p:strVal val="0"/>
+                                          </p:val>
+                                        </p:tav>
+                                        <p:tav tm="100000">
+                                          <p:val>
+                                            <p:strVal val="#ppt_h"/>
+                                          </p:val>
+                                        </p:tav>
+                                      </p:tavLst>
+                                    </p:anim>
                                   </p:childTnLst>
                                 </p:cTn>
                               </p:par>
@@ -24501,6 +25204,13 @@
   <p:clrMapOvr>
     <a:masterClrMapping/>
   </p:clrMapOvr>
+  <p:timing>
+    <p:tnLst>
+      <p:par>
+        <p:cTn id="1" dur="indefinite" restart="never" nodeType="tmRoot"/>
+      </p:par>
+    </p:tnLst>
+  </p:timing>
 </p:sld>
 </file>
 
@@ -25452,7 +26162,7 @@
         <p:spPr>
           <a:xfrm>
             <a:off x="627076" y="1459650"/>
-            <a:ext cx="3629160" cy="2439099"/>
+            <a:ext cx="3611400" cy="2439600"/>
           </a:xfrm>
           <a:prstGeom prst="rect">
             <a:avLst/>
@@ -25478,7 +26188,7 @@
               <a:buNone/>
             </a:pPr>
             <a:r>
-              <a:rPr lang="it" sz="1400" b="1" dirty="0">
+              <a:rPr lang="it" sz="1400" b="1">
                 <a:solidFill>
                   <a:schemeClr val="dk1"/>
                 </a:solidFill>
@@ -25490,7 +26200,7 @@
               <a:t>Pro del k-means</a:t>
             </a:r>
             <a:r>
-              <a:rPr lang="it" sz="1400" dirty="0">
+              <a:rPr lang="it" sz="1400">
                 <a:solidFill>
                   <a:schemeClr val="dk1"/>
                 </a:solidFill>
@@ -25501,7 +26211,7 @@
               </a:rPr>
               <a:t>:</a:t>
             </a:r>
-            <a:endParaRPr sz="1100" dirty="0"/>
+            <a:endParaRPr sz="1100"/>
           </a:p>
           <a:p>
             <a:pPr marL="215900" marR="0" lvl="0" indent="-215900" algn="just" rtl="0">
@@ -25519,7 +26229,7 @@
               <a:buChar char="•"/>
             </a:pPr>
             <a:r>
-              <a:rPr lang="it" sz="1400" b="1" dirty="0">
+              <a:rPr lang="it" sz="1400" b="1">
                 <a:solidFill>
                   <a:schemeClr val="dk1"/>
                 </a:solidFill>
@@ -25531,7 +26241,7 @@
               <a:t>Semplice</a:t>
             </a:r>
             <a:r>
-              <a:rPr lang="it" sz="1400" dirty="0">
+              <a:rPr lang="it" sz="1400">
                 <a:solidFill>
                   <a:schemeClr val="dk1"/>
                 </a:solidFill>
@@ -25542,7 +26252,7 @@
               </a:rPr>
               <a:t> da implementare</a:t>
             </a:r>
-            <a:endParaRPr sz="1400" dirty="0">
+            <a:endParaRPr sz="1400">
               <a:solidFill>
                 <a:schemeClr val="dk1"/>
               </a:solidFill>
@@ -25568,7 +26278,7 @@
               <a:buChar char="•"/>
             </a:pPr>
             <a:r>
-              <a:rPr lang="it" dirty="0">
+              <a:rPr lang="it">
                 <a:solidFill>
                   <a:schemeClr val="dk1"/>
                 </a:solidFill>
@@ -25580,7 +26290,7 @@
               <a:t>Computazionalmente (abbastanza) </a:t>
             </a:r>
             <a:r>
-              <a:rPr lang="it" b="1" dirty="0">
+              <a:rPr lang="it" b="1">
                 <a:solidFill>
                   <a:schemeClr val="dk1"/>
                 </a:solidFill>
@@ -25591,7 +26301,7 @@
               </a:rPr>
               <a:t>efficiente</a:t>
             </a:r>
-            <a:endParaRPr b="1" dirty="0">
+            <a:endParaRPr b="1">
               <a:solidFill>
                 <a:schemeClr val="dk1"/>
               </a:solidFill>
@@ -25617,7 +26327,7 @@
               <a:buChar char="•"/>
             </a:pPr>
             <a:r>
-              <a:rPr lang="it" sz="1400" b="1" dirty="0">
+              <a:rPr lang="it" sz="1400" b="1">
                 <a:solidFill>
                   <a:schemeClr val="dk1"/>
                 </a:solidFill>
@@ -25629,7 +26339,7 @@
               <a:t>Converge sempre </a:t>
             </a:r>
             <a:r>
-              <a:rPr lang="it" sz="1400" dirty="0">
+              <a:rPr lang="it" sz="1400">
                 <a:solidFill>
                   <a:schemeClr val="dk1"/>
                 </a:solidFill>
@@ -25641,7 +26351,7 @@
               <a:t>ad un </a:t>
             </a:r>
             <a:r>
-              <a:rPr lang="it" sz="1400" b="1" dirty="0">
+              <a:rPr lang="it" sz="1400" b="1">
                 <a:solidFill>
                   <a:schemeClr val="dk1"/>
                 </a:solidFill>
@@ -25653,7 +26363,7 @@
               <a:t>minimo locale </a:t>
             </a:r>
             <a:r>
-              <a:rPr lang="it" sz="1400" dirty="0">
+              <a:rPr lang="it" sz="1400">
                 <a:solidFill>
                   <a:schemeClr val="dk1"/>
                 </a:solidFill>
@@ -25664,7 +26374,7 @@
               </a:rPr>
               <a:t>per ogni cluster</a:t>
             </a:r>
-            <a:endParaRPr sz="1400" dirty="0">
+            <a:endParaRPr sz="1400">
               <a:solidFill>
                 <a:schemeClr val="dk1"/>
               </a:solidFill>
@@ -25689,7 +26399,7 @@
               <a:buFont typeface="Arial"/>
               <a:buNone/>
             </a:pPr>
-            <a:endParaRPr sz="1400" dirty="0">
+            <a:endParaRPr sz="1400">
               <a:solidFill>
                 <a:schemeClr val="dk1"/>
               </a:solidFill>
@@ -25710,7 +26420,7 @@
               <a:buNone/>
             </a:pPr>
             <a:r>
-              <a:rPr lang="it" sz="1400" b="1" dirty="0">
+              <a:rPr lang="it" sz="1400" b="1">
                 <a:solidFill>
                   <a:schemeClr val="dk1"/>
                 </a:solidFill>
@@ -25722,7 +26432,7 @@
               <a:t>Contro del k-means</a:t>
             </a:r>
             <a:r>
-              <a:rPr lang="it" sz="1400" dirty="0">
+              <a:rPr lang="it" sz="1400">
                 <a:solidFill>
                   <a:schemeClr val="dk1"/>
                 </a:solidFill>
@@ -25733,7 +26443,7 @@
               </a:rPr>
               <a:t>:</a:t>
             </a:r>
-            <a:endParaRPr sz="1100" dirty="0"/>
+            <a:endParaRPr sz="1100"/>
           </a:p>
           <a:p>
             <a:pPr marL="215900" marR="0" lvl="0" indent="-215900" algn="just" rtl="0">
@@ -25751,7 +26461,7 @@
               <a:buChar char="•"/>
             </a:pPr>
             <a:r>
-              <a:rPr lang="it" sz="1400" dirty="0">
+              <a:rPr lang="it" sz="1400">
                 <a:solidFill>
                   <a:schemeClr val="dk1"/>
                 </a:solidFill>
@@ -25763,7 +26473,7 @@
               <a:t>Impostare </a:t>
             </a:r>
             <a:r>
-              <a:rPr lang="it" sz="1400" i="1" dirty="0">
+              <a:rPr lang="it" sz="1400" i="1">
                 <a:solidFill>
                   <a:schemeClr val="dk1"/>
                 </a:solidFill>
@@ -25775,7 +26485,7 @@
               <a:t>k</a:t>
             </a:r>
             <a:r>
-              <a:rPr lang="it" sz="1400" dirty="0">
+              <a:rPr lang="it" sz="1400">
                 <a:solidFill>
                   <a:schemeClr val="dk1"/>
                 </a:solidFill>
@@ -25786,7 +26496,7 @@
               </a:rPr>
               <a:t> è difficile</a:t>
             </a:r>
-            <a:endParaRPr sz="1100" dirty="0"/>
+            <a:endParaRPr sz="1100"/>
           </a:p>
           <a:p>
             <a:pPr marL="215900" marR="0" lvl="0" indent="-215900" algn="just" rtl="0">
@@ -25804,7 +26514,7 @@
               <a:buChar char="•"/>
             </a:pPr>
             <a:r>
-              <a:rPr lang="it" sz="1400" dirty="0">
+              <a:rPr lang="it" sz="1400">
                 <a:solidFill>
                   <a:schemeClr val="dk1"/>
                 </a:solidFill>
@@ -25816,7 +26526,7 @@
               <a:t>Sensibile ai centri iniziali </a:t>
             </a:r>
             <a:r>
-              <a:rPr lang="it" sz="1400" b="1" dirty="0">
+              <a:rPr lang="it" sz="1400" b="1">
                 <a:solidFill>
                   <a:schemeClr val="dk1"/>
                 </a:solidFill>
@@ -25828,7 +26538,7 @@
               <a:t>casuali</a:t>
             </a:r>
             <a:r>
-              <a:rPr lang="it" sz="1400" dirty="0">
+              <a:rPr lang="it" sz="1400">
                 <a:solidFill>
                   <a:schemeClr val="dk1"/>
                 </a:solidFill>
@@ -25840,7 +26550,7 @@
               <a:t> e al </a:t>
             </a:r>
             <a:r>
-              <a:rPr lang="it" sz="1400" b="1" dirty="0">
+              <a:rPr lang="it" sz="1400" b="1">
                 <a:solidFill>
                   <a:schemeClr val="dk1"/>
                 </a:solidFill>
@@ -25851,7 +26561,7 @@
               </a:rPr>
               <a:t>rumore</a:t>
             </a:r>
-            <a:endParaRPr sz="1400" b="1" dirty="0">
+            <a:endParaRPr sz="1400" b="1">
               <a:solidFill>
                 <a:schemeClr val="dk1"/>
               </a:solidFill>
@@ -25877,7 +26587,7 @@
               <a:buChar char="•"/>
             </a:pPr>
             <a:r>
-              <a:rPr lang="it" dirty="0">
+              <a:rPr lang="it">
                 <a:solidFill>
                   <a:schemeClr val="dk1"/>
                 </a:solidFill>
@@ -25889,7 +26599,7 @@
               <a:t>Adatto principalmente a </a:t>
             </a:r>
             <a:r>
-              <a:rPr lang="it" b="1" dirty="0">
+              <a:rPr lang="it" b="1">
                 <a:solidFill>
                   <a:schemeClr val="dk1"/>
                 </a:solidFill>
@@ -25900,7 +26610,7 @@
               </a:rPr>
               <a:t>cluster sferici</a:t>
             </a:r>
-            <a:endParaRPr b="1" dirty="0">
+            <a:endParaRPr b="1">
               <a:solidFill>
                 <a:schemeClr val="dk1"/>
               </a:solidFill>
@@ -25926,7 +26636,7 @@
               <a:buChar char="•"/>
             </a:pPr>
             <a:r>
-              <a:rPr lang="it" sz="1400" dirty="0">
+              <a:rPr lang="it" sz="1400">
                 <a:solidFill>
                   <a:schemeClr val="dk1"/>
                 </a:solidFill>
@@ -25937,7 +26647,7 @@
               </a:rPr>
               <a:t>Non modella bene la percezione umana</a:t>
             </a:r>
-            <a:endParaRPr sz="1100" dirty="0"/>
+            <a:endParaRPr sz="1100"/>
           </a:p>
         </p:txBody>
       </p:sp>
@@ -28616,7 +29326,7 @@
                             </p:stCondLst>
                             <p:childTnLst>
                               <p:par>
-                                <p:cTn id="5" presetID="1" presetClass="entr" presetSubtype="0" fill="hold" nodeType="clickEffect">
+                                <p:cTn id="5" presetID="23" presetClass="entr" presetSubtype="16" fill="hold" nodeType="clickEffect">
                                   <p:stCondLst>
                                     <p:cond delay="0"/>
                                   </p:stCondLst>
@@ -28639,6 +29349,52 @@
                                         <p:strVal val="visible"/>
                                       </p:to>
                                     </p:set>
+                                    <p:anim calcmode="lin" valueType="num">
+                                      <p:cBhvr additive="base">
+                                        <p:cTn id="7" dur="500"/>
+                                        <p:tgtEl>
+                                          <p:spTgt spid="141"/>
+                                        </p:tgtEl>
+                                        <p:attrNameLst>
+                                          <p:attrName>ppt_w</p:attrName>
+                                        </p:attrNameLst>
+                                      </p:cBhvr>
+                                      <p:tavLst>
+                                        <p:tav tm="0">
+                                          <p:val>
+                                            <p:strVal val="0"/>
+                                          </p:val>
+                                        </p:tav>
+                                        <p:tav tm="100000">
+                                          <p:val>
+                                            <p:strVal val="#ppt_w"/>
+                                          </p:val>
+                                        </p:tav>
+                                      </p:tavLst>
+                                    </p:anim>
+                                    <p:anim calcmode="lin" valueType="num">
+                                      <p:cBhvr additive="base">
+                                        <p:cTn id="8" dur="500"/>
+                                        <p:tgtEl>
+                                          <p:spTgt spid="141"/>
+                                        </p:tgtEl>
+                                        <p:attrNameLst>
+                                          <p:attrName>ppt_h</p:attrName>
+                                        </p:attrNameLst>
+                                      </p:cBhvr>
+                                      <p:tavLst>
+                                        <p:tav tm="0">
+                                          <p:val>
+                                            <p:strVal val="0"/>
+                                          </p:val>
+                                        </p:tav>
+                                        <p:tav tm="100000">
+                                          <p:val>
+                                            <p:strVal val="#ppt_h"/>
+                                          </p:val>
+                                        </p:tav>
+                                      </p:tavLst>
+                                    </p:anim>
                                   </p:childTnLst>
                                 </p:cTn>
                               </p:par>
@@ -29144,6 +29900,13 @@
   <p:clrMapOvr>
     <a:masterClrMapping/>
   </p:clrMapOvr>
+  <p:timing>
+    <p:tnLst>
+      <p:par>
+        <p:cTn id="1" dur="indefinite" restart="never" nodeType="tmRoot"/>
+      </p:par>
+    </p:tnLst>
+  </p:timing>
 </p:sld>
 </file>
 
@@ -29642,7 +30405,7 @@
                             </p:stCondLst>
                             <p:childTnLst>
                               <p:par>
-                                <p:cTn id="5" presetID="1" presetClass="entr" presetSubtype="0" fill="hold" nodeType="clickEffect">
+                                <p:cTn id="5" presetID="23" presetClass="entr" presetSubtype="16" fill="hold" nodeType="clickEffect">
                                   <p:stCondLst>
                                     <p:cond delay="0"/>
                                   </p:stCondLst>
@@ -29665,18 +30428,64 @@
                                         <p:strVal val="visible"/>
                                       </p:to>
                                     </p:set>
+                                    <p:anim calcmode="lin" valueType="num">
+                                      <p:cBhvr additive="base">
+                                        <p:cTn id="7" dur="500"/>
+                                        <p:tgtEl>
+                                          <p:spTgt spid="157"/>
+                                        </p:tgtEl>
+                                        <p:attrNameLst>
+                                          <p:attrName>ppt_w</p:attrName>
+                                        </p:attrNameLst>
+                                      </p:cBhvr>
+                                      <p:tavLst>
+                                        <p:tav tm="0">
+                                          <p:val>
+                                            <p:strVal val="0"/>
+                                          </p:val>
+                                        </p:tav>
+                                        <p:tav tm="100000">
+                                          <p:val>
+                                            <p:strVal val="#ppt_w"/>
+                                          </p:val>
+                                        </p:tav>
+                                      </p:tavLst>
+                                    </p:anim>
+                                    <p:anim calcmode="lin" valueType="num">
+                                      <p:cBhvr additive="base">
+                                        <p:cTn id="8" dur="500"/>
+                                        <p:tgtEl>
+                                          <p:spTgt spid="157"/>
+                                        </p:tgtEl>
+                                        <p:attrNameLst>
+                                          <p:attrName>ppt_h</p:attrName>
+                                        </p:attrNameLst>
+                                      </p:cBhvr>
+                                      <p:tavLst>
+                                        <p:tav tm="0">
+                                          <p:val>
+                                            <p:strVal val="0"/>
+                                          </p:val>
+                                        </p:tav>
+                                        <p:tav tm="100000">
+                                          <p:val>
+                                            <p:strVal val="#ppt_h"/>
+                                          </p:val>
+                                        </p:tav>
+                                      </p:tavLst>
+                                    </p:anim>
                                   </p:childTnLst>
                                 </p:cTn>
                               </p:par>
                               <p:par>
-                                <p:cTn id="7" presetID="1" presetClass="entr" presetSubtype="0" fill="hold" nodeType="withEffect">
+                                <p:cTn id="9" presetID="23" presetClass="entr" presetSubtype="16" fill="hold" nodeType="withEffect">
                                   <p:stCondLst>
                                     <p:cond delay="0"/>
                                   </p:stCondLst>
                                   <p:childTnLst>
                                     <p:set>
                                       <p:cBhvr>
-                                        <p:cTn id="8" dur="1" fill="hold">
+                                        <p:cTn id="10" dur="1" fill="hold">
                                           <p:stCondLst>
                                             <p:cond delay="0"/>
                                           </p:stCondLst>
@@ -29692,18 +30501,64 @@
                                         <p:strVal val="visible"/>
                                       </p:to>
                                     </p:set>
+                                    <p:anim calcmode="lin" valueType="num">
+                                      <p:cBhvr additive="base">
+                                        <p:cTn id="11" dur="500"/>
+                                        <p:tgtEl>
+                                          <p:spTgt spid="158"/>
+                                        </p:tgtEl>
+                                        <p:attrNameLst>
+                                          <p:attrName>ppt_w</p:attrName>
+                                        </p:attrNameLst>
+                                      </p:cBhvr>
+                                      <p:tavLst>
+                                        <p:tav tm="0">
+                                          <p:val>
+                                            <p:strVal val="0"/>
+                                          </p:val>
+                                        </p:tav>
+                                        <p:tav tm="100000">
+                                          <p:val>
+                                            <p:strVal val="#ppt_w"/>
+                                          </p:val>
+                                        </p:tav>
+                                      </p:tavLst>
+                                    </p:anim>
+                                    <p:anim calcmode="lin" valueType="num">
+                                      <p:cBhvr additive="base">
+                                        <p:cTn id="12" dur="500"/>
+                                        <p:tgtEl>
+                                          <p:spTgt spid="158"/>
+                                        </p:tgtEl>
+                                        <p:attrNameLst>
+                                          <p:attrName>ppt_h</p:attrName>
+                                        </p:attrNameLst>
+                                      </p:cBhvr>
+                                      <p:tavLst>
+                                        <p:tav tm="0">
+                                          <p:val>
+                                            <p:strVal val="0"/>
+                                          </p:val>
+                                        </p:tav>
+                                        <p:tav tm="100000">
+                                          <p:val>
+                                            <p:strVal val="#ppt_h"/>
+                                          </p:val>
+                                        </p:tav>
+                                      </p:tavLst>
+                                    </p:anim>
                                   </p:childTnLst>
                                 </p:cTn>
                               </p:par>
                               <p:par>
-                                <p:cTn id="9" presetID="1" presetClass="entr" presetSubtype="0" fill="hold" nodeType="withEffect">
+                                <p:cTn id="13" presetID="23" presetClass="entr" presetSubtype="16" fill="hold" nodeType="withEffect">
                                   <p:stCondLst>
                                     <p:cond delay="0"/>
                                   </p:stCondLst>
                                   <p:childTnLst>
                                     <p:set>
                                       <p:cBhvr>
-                                        <p:cTn id="10" dur="1" fill="hold">
+                                        <p:cTn id="14" dur="1" fill="hold">
                                           <p:stCondLst>
                                             <p:cond delay="0"/>
                                           </p:stCondLst>
@@ -29719,18 +30574,64 @@
                                         <p:strVal val="visible"/>
                                       </p:to>
                                     </p:set>
+                                    <p:anim calcmode="lin" valueType="num">
+                                      <p:cBhvr additive="base">
+                                        <p:cTn id="15" dur="500"/>
+                                        <p:tgtEl>
+                                          <p:spTgt spid="159"/>
+                                        </p:tgtEl>
+                                        <p:attrNameLst>
+                                          <p:attrName>ppt_w</p:attrName>
+                                        </p:attrNameLst>
+                                      </p:cBhvr>
+                                      <p:tavLst>
+                                        <p:tav tm="0">
+                                          <p:val>
+                                            <p:strVal val="0"/>
+                                          </p:val>
+                                        </p:tav>
+                                        <p:tav tm="100000">
+                                          <p:val>
+                                            <p:strVal val="#ppt_w"/>
+                                          </p:val>
+                                        </p:tav>
+                                      </p:tavLst>
+                                    </p:anim>
+                                    <p:anim calcmode="lin" valueType="num">
+                                      <p:cBhvr additive="base">
+                                        <p:cTn id="16" dur="500"/>
+                                        <p:tgtEl>
+                                          <p:spTgt spid="159"/>
+                                        </p:tgtEl>
+                                        <p:attrNameLst>
+                                          <p:attrName>ppt_h</p:attrName>
+                                        </p:attrNameLst>
+                                      </p:cBhvr>
+                                      <p:tavLst>
+                                        <p:tav tm="0">
+                                          <p:val>
+                                            <p:strVal val="0"/>
+                                          </p:val>
+                                        </p:tav>
+                                        <p:tav tm="100000">
+                                          <p:val>
+                                            <p:strVal val="#ppt_h"/>
+                                          </p:val>
+                                        </p:tav>
+                                      </p:tavLst>
+                                    </p:anim>
                                   </p:childTnLst>
                                 </p:cTn>
                               </p:par>
                               <p:par>
-                                <p:cTn id="11" presetID="1" presetClass="entr" presetSubtype="0" fill="hold" nodeType="withEffect">
+                                <p:cTn id="17" presetID="23" presetClass="entr" presetSubtype="16" fill="hold" nodeType="withEffect">
                                   <p:stCondLst>
                                     <p:cond delay="0"/>
                                   </p:stCondLst>
                                   <p:childTnLst>
                                     <p:set>
                                       <p:cBhvr>
-                                        <p:cTn id="12" dur="1" fill="hold">
+                                        <p:cTn id="18" dur="1" fill="hold">
                                           <p:stCondLst>
                                             <p:cond delay="0"/>
                                           </p:stCondLst>
@@ -29746,6 +30647,52 @@
                                         <p:strVal val="visible"/>
                                       </p:to>
                                     </p:set>
+                                    <p:anim calcmode="lin" valueType="num">
+                                      <p:cBhvr additive="base">
+                                        <p:cTn id="19" dur="500"/>
+                                        <p:tgtEl>
+                                          <p:spTgt spid="160"/>
+                                        </p:tgtEl>
+                                        <p:attrNameLst>
+                                          <p:attrName>ppt_w</p:attrName>
+                                        </p:attrNameLst>
+                                      </p:cBhvr>
+                                      <p:tavLst>
+                                        <p:tav tm="0">
+                                          <p:val>
+                                            <p:strVal val="0"/>
+                                          </p:val>
+                                        </p:tav>
+                                        <p:tav tm="100000">
+                                          <p:val>
+                                            <p:strVal val="#ppt_w"/>
+                                          </p:val>
+                                        </p:tav>
+                                      </p:tavLst>
+                                    </p:anim>
+                                    <p:anim calcmode="lin" valueType="num">
+                                      <p:cBhvr additive="base">
+                                        <p:cTn id="20" dur="500"/>
+                                        <p:tgtEl>
+                                          <p:spTgt spid="160"/>
+                                        </p:tgtEl>
+                                        <p:attrNameLst>
+                                          <p:attrName>ppt_h</p:attrName>
+                                        </p:attrNameLst>
+                                      </p:cBhvr>
+                                      <p:tavLst>
+                                        <p:tav tm="0">
+                                          <p:val>
+                                            <p:strVal val="0"/>
+                                          </p:val>
+                                        </p:tav>
+                                        <p:tav tm="100000">
+                                          <p:val>
+                                            <p:strVal val="#ppt_h"/>
+                                          </p:val>
+                                        </p:tav>
+                                      </p:tavLst>
+                                    </p:anim>
                                   </p:childTnLst>
                                 </p:cTn>
                               </p:par>
@@ -30093,7 +31040,7 @@
                             </p:stCondLst>
                             <p:childTnLst>
                               <p:par>
-                                <p:cTn id="5" presetID="1" presetClass="entr" presetSubtype="0" fill="hold" nodeType="clickEffect">
+                                <p:cTn id="5" presetID="23" presetClass="entr" presetSubtype="16" fill="hold" nodeType="clickEffect">
                                   <p:stCondLst>
                                     <p:cond delay="0"/>
                                   </p:stCondLst>
@@ -30116,6 +31063,52 @@
                                         <p:strVal val="visible"/>
                                       </p:to>
                                     </p:set>
+                                    <p:anim calcmode="lin" valueType="num">
+                                      <p:cBhvr additive="base">
+                                        <p:cTn id="7" dur="500"/>
+                                        <p:tgtEl>
+                                          <p:spTgt spid="166"/>
+                                        </p:tgtEl>
+                                        <p:attrNameLst>
+                                          <p:attrName>ppt_w</p:attrName>
+                                        </p:attrNameLst>
+                                      </p:cBhvr>
+                                      <p:tavLst>
+                                        <p:tav tm="0">
+                                          <p:val>
+                                            <p:strVal val="0"/>
+                                          </p:val>
+                                        </p:tav>
+                                        <p:tav tm="100000">
+                                          <p:val>
+                                            <p:strVal val="#ppt_w"/>
+                                          </p:val>
+                                        </p:tav>
+                                      </p:tavLst>
+                                    </p:anim>
+                                    <p:anim calcmode="lin" valueType="num">
+                                      <p:cBhvr additive="base">
+                                        <p:cTn id="8" dur="500"/>
+                                        <p:tgtEl>
+                                          <p:spTgt spid="166"/>
+                                        </p:tgtEl>
+                                        <p:attrNameLst>
+                                          <p:attrName>ppt_h</p:attrName>
+                                        </p:attrNameLst>
+                                      </p:cBhvr>
+                                      <p:tavLst>
+                                        <p:tav tm="0">
+                                          <p:val>
+                                            <p:strVal val="0"/>
+                                          </p:val>
+                                        </p:tav>
+                                        <p:tav tm="100000">
+                                          <p:val>
+                                            <p:strVal val="#ppt_h"/>
+                                          </p:val>
+                                        </p:tav>
+                                      </p:tavLst>
+                                    </p:anim>
                                   </p:childTnLst>
                                 </p:cTn>
                               </p:par>
@@ -30641,6 +31634,13 @@
   <p:clrMapOvr>
     <a:masterClrMapping/>
   </p:clrMapOvr>
+  <p:timing>
+    <p:tnLst>
+      <p:par>
+        <p:cTn id="1" dur="indefinite" restart="never" nodeType="tmRoot"/>
+      </p:par>
+    </p:tnLst>
+  </p:timing>
 </p:sld>
 </file>
 
@@ -31365,7 +32365,7 @@
                             </p:stCondLst>
                             <p:childTnLst>
                               <p:par>
-                                <p:cTn id="5" presetID="1" presetClass="entr" presetSubtype="0" fill="hold" nodeType="clickEffect">
+                                <p:cTn id="5" presetID="23" presetClass="entr" presetSubtype="16" fill="hold" nodeType="clickEffect">
                                   <p:stCondLst>
                                     <p:cond delay="0"/>
                                   </p:stCondLst>
@@ -31388,6 +32388,52 @@
                                         <p:strVal val="visible"/>
                                       </p:to>
                                     </p:set>
+                                    <p:anim calcmode="lin" valueType="num">
+                                      <p:cBhvr additive="base">
+                                        <p:cTn id="7" dur="500"/>
+                                        <p:tgtEl>
+                                          <p:spTgt spid="189"/>
+                                        </p:tgtEl>
+                                        <p:attrNameLst>
+                                          <p:attrName>ppt_w</p:attrName>
+                                        </p:attrNameLst>
+                                      </p:cBhvr>
+                                      <p:tavLst>
+                                        <p:tav tm="0">
+                                          <p:val>
+                                            <p:strVal val="0"/>
+                                          </p:val>
+                                        </p:tav>
+                                        <p:tav tm="100000">
+                                          <p:val>
+                                            <p:strVal val="#ppt_w"/>
+                                          </p:val>
+                                        </p:tav>
+                                      </p:tavLst>
+                                    </p:anim>
+                                    <p:anim calcmode="lin" valueType="num">
+                                      <p:cBhvr additive="base">
+                                        <p:cTn id="8" dur="500"/>
+                                        <p:tgtEl>
+                                          <p:spTgt spid="189"/>
+                                        </p:tgtEl>
+                                        <p:attrNameLst>
+                                          <p:attrName>ppt_h</p:attrName>
+                                        </p:attrNameLst>
+                                      </p:cBhvr>
+                                      <p:tavLst>
+                                        <p:tav tm="0">
+                                          <p:val>
+                                            <p:strVal val="0"/>
+                                          </p:val>
+                                        </p:tav>
+                                        <p:tav tm="100000">
+                                          <p:val>
+                                            <p:strVal val="#ppt_h"/>
+                                          </p:val>
+                                        </p:tav>
+                                      </p:tavLst>
+                                    </p:anim>
                                   </p:childTnLst>
                                 </p:cTn>
                               </p:par>
